--- a/cpp_generic_programming.pptx
+++ b/cpp_generic_programming.pptx
@@ -5,7 +5,7 @@
     <p:sldMasterId id="2147483649" r:id="rId1"/>
   </p:sldMasterIdLst>
   <p:notesMasterIdLst>
-    <p:notesMasterId r:id="rId47"/>
+    <p:notesMasterId r:id="rId48"/>
   </p:notesMasterIdLst>
   <p:sldIdLst>
     <p:sldId id="260" r:id="rId2"/>
@@ -53,6 +53,7 @@
     <p:sldId id="347" r:id="rId44"/>
     <p:sldId id="348" r:id="rId45"/>
     <p:sldId id="349" r:id="rId46"/>
+    <p:sldId id="350" r:id="rId47"/>
   </p:sldIdLst>
   <p:sldSz cx="12192000" cy="6858000"/>
   <p:notesSz cx="6858000" cy="9144000"/>
@@ -21248,10 +21249,6 @@
               <a:rPr lang="en-US" sz="2000" dirty="0" err="1"/>
               <a:t>Stepanov</a:t>
             </a:r>
-            <a:r>
-              <a:rPr lang="en-US" sz="2000" dirty="0"/>
-              <a:t>.</a:t>
-            </a:r>
             <a:endParaRPr lang="it-IT" sz="2000" dirty="0"/>
           </a:p>
         </p:txBody>
@@ -30354,10 +30351,9 @@
               <a:defRPr/>
             </a:pPr>
             <a:r>
-              <a:rPr lang="it-IT"/>
-              <a:t>https://albertoferrari.github.io/generics/</a:t>
-            </a:r>
-            <a:endParaRPr lang="it-IT" dirty="0"/>
+              <a:rPr lang="it-IT" dirty="0"/>
+              <a:t>https://en.cppreference.com/w/cpp/concepts</a:t>
+            </a:r>
           </a:p>
         </p:txBody>
       </p:sp>
@@ -31128,6 +31124,153 @@
     <p:extLst>
       <p:ext uri="{BB962C8B-B14F-4D97-AF65-F5344CB8AC3E}">
         <p14:creationId xmlns:p14="http://schemas.microsoft.com/office/powerpoint/2010/main" val="1176002035"/>
+      </p:ext>
+    </p:extLst>
+  </p:cSld>
+  <p:clrMapOvr>
+    <a:masterClrMapping/>
+  </p:clrMapOvr>
+</p:sld>
+</file>
+
+<file path=ppt/slides/slide46.xml><?xml version="1.0" encoding="utf-8"?>
+<p:sld xmlns:a="http://schemas.openxmlformats.org/drawingml/2006/main" xmlns:r="http://schemas.openxmlformats.org/officeDocument/2006/relationships" xmlns:p="http://schemas.openxmlformats.org/presentationml/2006/main">
+  <p:cSld>
+    <p:spTree>
+      <p:nvGrpSpPr>
+        <p:cNvPr id="1" name=""/>
+        <p:cNvGrpSpPr/>
+        <p:nvPr/>
+      </p:nvGrpSpPr>
+      <p:grpSpPr>
+        <a:xfrm>
+          <a:off x="0" y="0"/>
+          <a:ext cx="0" cy="0"/>
+          <a:chOff x="0" y="0"/>
+          <a:chExt cx="0" cy="0"/>
+        </a:xfrm>
+      </p:grpSpPr>
+      <p:sp>
+        <p:nvSpPr>
+          <p:cNvPr id="3" name="Titolo 2">
+            <a:extLst>
+              <a:ext uri="{FF2B5EF4-FFF2-40B4-BE49-F238E27FC236}">
+                <a16:creationId xmlns:a16="http://schemas.microsoft.com/office/drawing/2014/main" id="{731FB686-A2E8-4C01-A60E-D0DDC3E779BC}"/>
+              </a:ext>
+            </a:extLst>
+          </p:cNvPr>
+          <p:cNvSpPr>
+            <a:spLocks noGrp="1"/>
+          </p:cNvSpPr>
+          <p:nvPr>
+            <p:ph type="title"/>
+          </p:nvPr>
+        </p:nvSpPr>
+        <p:spPr/>
+        <p:txBody>
+          <a:bodyPr/>
+          <a:lstStyle/>
+          <a:p>
+            <a:r>
+              <a:rPr lang="it-IT" dirty="0" err="1"/>
+              <a:t>references</a:t>
+            </a:r>
+            <a:endParaRPr lang="it-IT" dirty="0"/>
+          </a:p>
+        </p:txBody>
+      </p:sp>
+      <p:sp>
+        <p:nvSpPr>
+          <p:cNvPr id="4" name="Segnaposto contenuto 3">
+            <a:extLst>
+              <a:ext uri="{FF2B5EF4-FFF2-40B4-BE49-F238E27FC236}">
+                <a16:creationId xmlns:a16="http://schemas.microsoft.com/office/drawing/2014/main" id="{3141293C-D2F6-4148-86FF-68B11E6EF568}"/>
+              </a:ext>
+            </a:extLst>
+          </p:cNvPr>
+          <p:cNvSpPr>
+            <a:spLocks noGrp="1"/>
+          </p:cNvSpPr>
+          <p:nvPr>
+            <p:ph idx="1"/>
+          </p:nvPr>
+        </p:nvSpPr>
+        <p:spPr/>
+        <p:txBody>
+          <a:bodyPr/>
+          <a:lstStyle/>
+          <a:p>
+            <a:r>
+              <a:rPr lang="en-US" i="1" dirty="0"/>
+              <a:t>Dehnert, James &amp; </a:t>
+            </a:r>
+            <a:r>
+              <a:rPr lang="en-US" i="1" dirty="0" err="1"/>
+              <a:t>Stepanov</a:t>
+            </a:r>
+            <a:r>
+              <a:rPr lang="en-US" i="1" dirty="0"/>
+              <a:t>, Alexander. (1998). Fundamentals of Generic Programming. LNCS. 1766. 1-11. 10.1007/3-540-39953-4_1. </a:t>
+            </a:r>
+          </a:p>
+          <a:p>
+            <a:r>
+              <a:rPr lang="en-US" i="1" dirty="0"/>
+              <a:t>B. </a:t>
+            </a:r>
+            <a:r>
+              <a:rPr lang="en-US" i="1" dirty="0" err="1"/>
+              <a:t>Stroustrup</a:t>
+            </a:r>
+            <a:r>
+              <a:rPr lang="en-US" i="1" dirty="0"/>
+              <a:t>: Concepts: The Future of Generic Programming (or "How to design good concepts and use them well)". January 2017.</a:t>
+            </a:r>
+          </a:p>
+          <a:p>
+            <a:r>
+              <a:rPr lang="it-IT" i="1" dirty="0"/>
+              <a:t>https://en.cppreference.com/w/cpp/concepts</a:t>
+            </a:r>
+          </a:p>
+        </p:txBody>
+      </p:sp>
+      <p:sp>
+        <p:nvSpPr>
+          <p:cNvPr id="2" name="Segnaposto piè di pagina 1">
+            <a:extLst>
+              <a:ext uri="{FF2B5EF4-FFF2-40B4-BE49-F238E27FC236}">
+                <a16:creationId xmlns:a16="http://schemas.microsoft.com/office/drawing/2014/main" id="{3BB4CE53-64AC-4D96-A455-1B1BBDA33209}"/>
+              </a:ext>
+            </a:extLst>
+          </p:cNvPr>
+          <p:cNvSpPr>
+            <a:spLocks noGrp="1"/>
+          </p:cNvSpPr>
+          <p:nvPr>
+            <p:ph type="ftr" sz="quarter" idx="11"/>
+          </p:nvPr>
+        </p:nvSpPr>
+        <p:spPr/>
+        <p:txBody>
+          <a:bodyPr/>
+          <a:lstStyle/>
+          <a:p>
+            <a:pPr>
+              <a:defRPr/>
+            </a:pPr>
+            <a:r>
+              <a:rPr lang="it-IT"/>
+              <a:t>alberto ferrari – sowide</a:t>
+            </a:r>
+            <a:endParaRPr lang="it-IT" dirty="0"/>
+          </a:p>
+        </p:txBody>
+      </p:sp>
+    </p:spTree>
+    <p:extLst>
+      <p:ext uri="{BB962C8B-B14F-4D97-AF65-F5344CB8AC3E}">
+        <p14:creationId xmlns:p14="http://schemas.microsoft.com/office/powerpoint/2010/main" val="1396686982"/>
       </p:ext>
     </p:extLst>
   </p:cSld>
